--- a/Code Excersice.pptx
+++ b/Code Excersice.pptx
@@ -270,7 +270,7 @@
           <a:p>
             <a:fld id="{B164449C-522E-484B-A9FE-14C9AB5C8CE2}" type="datetimeFigureOut">
               <a:rPr lang="en-US" smtClean="0"/>
-              <a:t>6/2/2018</a:t>
+              <a:t>6/4/2018</a:t>
             </a:fld>
             <a:endParaRPr lang="en-US"/>
           </a:p>
@@ -468,7 +468,7 @@
           <a:p>
             <a:fld id="{B164449C-522E-484B-A9FE-14C9AB5C8CE2}" type="datetimeFigureOut">
               <a:rPr lang="en-US" smtClean="0"/>
-              <a:t>6/2/2018</a:t>
+              <a:t>6/4/2018</a:t>
             </a:fld>
             <a:endParaRPr lang="en-US"/>
           </a:p>
@@ -676,7 +676,7 @@
           <a:p>
             <a:fld id="{B164449C-522E-484B-A9FE-14C9AB5C8CE2}" type="datetimeFigureOut">
               <a:rPr lang="en-US" smtClean="0"/>
-              <a:t>6/2/2018</a:t>
+              <a:t>6/4/2018</a:t>
             </a:fld>
             <a:endParaRPr lang="en-US"/>
           </a:p>
@@ -874,7 +874,7 @@
           <a:p>
             <a:fld id="{B164449C-522E-484B-A9FE-14C9AB5C8CE2}" type="datetimeFigureOut">
               <a:rPr lang="en-US" smtClean="0"/>
-              <a:t>6/2/2018</a:t>
+              <a:t>6/4/2018</a:t>
             </a:fld>
             <a:endParaRPr lang="en-US"/>
           </a:p>
@@ -1149,7 +1149,7 @@
           <a:p>
             <a:fld id="{B164449C-522E-484B-A9FE-14C9AB5C8CE2}" type="datetimeFigureOut">
               <a:rPr lang="en-US" smtClean="0"/>
-              <a:t>6/2/2018</a:t>
+              <a:t>6/4/2018</a:t>
             </a:fld>
             <a:endParaRPr lang="en-US"/>
           </a:p>
@@ -1414,7 +1414,7 @@
           <a:p>
             <a:fld id="{B164449C-522E-484B-A9FE-14C9AB5C8CE2}" type="datetimeFigureOut">
               <a:rPr lang="en-US" smtClean="0"/>
-              <a:t>6/2/2018</a:t>
+              <a:t>6/4/2018</a:t>
             </a:fld>
             <a:endParaRPr lang="en-US"/>
           </a:p>
@@ -1826,7 +1826,7 @@
           <a:p>
             <a:fld id="{B164449C-522E-484B-A9FE-14C9AB5C8CE2}" type="datetimeFigureOut">
               <a:rPr lang="en-US" smtClean="0"/>
-              <a:t>6/2/2018</a:t>
+              <a:t>6/4/2018</a:t>
             </a:fld>
             <a:endParaRPr lang="en-US"/>
           </a:p>
@@ -1967,7 +1967,7 @@
           <a:p>
             <a:fld id="{B164449C-522E-484B-A9FE-14C9AB5C8CE2}" type="datetimeFigureOut">
               <a:rPr lang="en-US" smtClean="0"/>
-              <a:t>6/2/2018</a:t>
+              <a:t>6/4/2018</a:t>
             </a:fld>
             <a:endParaRPr lang="en-US"/>
           </a:p>
@@ -2080,7 +2080,7 @@
           <a:p>
             <a:fld id="{B164449C-522E-484B-A9FE-14C9AB5C8CE2}" type="datetimeFigureOut">
               <a:rPr lang="en-US" smtClean="0"/>
-              <a:t>6/2/2018</a:t>
+              <a:t>6/4/2018</a:t>
             </a:fld>
             <a:endParaRPr lang="en-US"/>
           </a:p>
@@ -2391,7 +2391,7 @@
           <a:p>
             <a:fld id="{B164449C-522E-484B-A9FE-14C9AB5C8CE2}" type="datetimeFigureOut">
               <a:rPr lang="en-US" smtClean="0"/>
-              <a:t>6/2/2018</a:t>
+              <a:t>6/4/2018</a:t>
             </a:fld>
             <a:endParaRPr lang="en-US"/>
           </a:p>
@@ -2679,7 +2679,7 @@
           <a:p>
             <a:fld id="{B164449C-522E-484B-A9FE-14C9AB5C8CE2}" type="datetimeFigureOut">
               <a:rPr lang="en-US" smtClean="0"/>
-              <a:t>6/2/2018</a:t>
+              <a:t>6/4/2018</a:t>
             </a:fld>
             <a:endParaRPr lang="en-US"/>
           </a:p>
@@ -2920,7 +2920,7 @@
           <a:p>
             <a:fld id="{B164449C-522E-484B-A9FE-14C9AB5C8CE2}" type="datetimeFigureOut">
               <a:rPr lang="en-US" smtClean="0"/>
-              <a:t>6/2/2018</a:t>
+              <a:t>6/4/2018</a:t>
             </a:fld>
             <a:endParaRPr lang="en-US"/>
           </a:p>
@@ -3391,7 +3391,7 @@
         <p:spPr>
           <a:xfrm>
             <a:off x="1524000" y="3602038"/>
-            <a:ext cx="9144000" cy="1346010"/>
+            <a:ext cx="9144000" cy="885371"/>
           </a:xfrm>
           <a:solidFill>
             <a:schemeClr val="bg1">
@@ -3408,16 +3408,6 @@
             <a:r>
               <a:rPr lang="en-GB" dirty="0"/>
               <a:t>                                                                                             </a:t>
-            </a:r>
-          </a:p>
-          <a:p>
-            <a:r>
-              <a:rPr lang="en-GB" dirty="0" err="1"/>
-              <a:t>Danesh</a:t>
-            </a:r>
-            <a:r>
-              <a:rPr lang="en-GB" dirty="0"/>
-              <a:t> Mishra</a:t>
             </a:r>
           </a:p>
           <a:p>
